--- a/UI기획서v1.5_김홍민.pptx
+++ b/UI기획서v1.5_김홍민.pptx
@@ -301,7 +301,7 @@
           <a:p>
             <a:fld id="{63D3B4C0-D8BC-4725-BFBA-7D9A8552D455}" type="datetimeFigureOut">
               <a:rPr lang="ko-KR" altLang="en-US" smtClean="0"/>
-              <a:t>2017-10-13</a:t>
+              <a:t>2017-10-20</a:t>
             </a:fld>
             <a:endParaRPr lang="ko-KR" altLang="en-US"/>
           </a:p>
@@ -471,7 +471,7 @@
           <a:p>
             <a:fld id="{63D3B4C0-D8BC-4725-BFBA-7D9A8552D455}" type="datetimeFigureOut">
               <a:rPr lang="ko-KR" altLang="en-US" smtClean="0"/>
-              <a:t>2017-10-13</a:t>
+              <a:t>2017-10-20</a:t>
             </a:fld>
             <a:endParaRPr lang="ko-KR" altLang="en-US"/>
           </a:p>
@@ -651,7 +651,7 @@
           <a:p>
             <a:fld id="{63D3B4C0-D8BC-4725-BFBA-7D9A8552D455}" type="datetimeFigureOut">
               <a:rPr lang="ko-KR" altLang="en-US" smtClean="0"/>
-              <a:t>2017-10-13</a:t>
+              <a:t>2017-10-20</a:t>
             </a:fld>
             <a:endParaRPr lang="ko-KR" altLang="en-US"/>
           </a:p>
@@ -821,7 +821,7 @@
           <a:p>
             <a:fld id="{63D3B4C0-D8BC-4725-BFBA-7D9A8552D455}" type="datetimeFigureOut">
               <a:rPr lang="ko-KR" altLang="en-US" smtClean="0"/>
-              <a:t>2017-10-13</a:t>
+              <a:t>2017-10-20</a:t>
             </a:fld>
             <a:endParaRPr lang="ko-KR" altLang="en-US"/>
           </a:p>
@@ -1067,7 +1067,7 @@
           <a:p>
             <a:fld id="{63D3B4C0-D8BC-4725-BFBA-7D9A8552D455}" type="datetimeFigureOut">
               <a:rPr lang="ko-KR" altLang="en-US" smtClean="0"/>
-              <a:t>2017-10-13</a:t>
+              <a:t>2017-10-20</a:t>
             </a:fld>
             <a:endParaRPr lang="ko-KR" altLang="en-US"/>
           </a:p>
@@ -1355,7 +1355,7 @@
           <a:p>
             <a:fld id="{63D3B4C0-D8BC-4725-BFBA-7D9A8552D455}" type="datetimeFigureOut">
               <a:rPr lang="ko-KR" altLang="en-US" smtClean="0"/>
-              <a:t>2017-10-13</a:t>
+              <a:t>2017-10-20</a:t>
             </a:fld>
             <a:endParaRPr lang="ko-KR" altLang="en-US"/>
           </a:p>
@@ -1777,7 +1777,7 @@
           <a:p>
             <a:fld id="{63D3B4C0-D8BC-4725-BFBA-7D9A8552D455}" type="datetimeFigureOut">
               <a:rPr lang="ko-KR" altLang="en-US" smtClean="0"/>
-              <a:t>2017-10-13</a:t>
+              <a:t>2017-10-20</a:t>
             </a:fld>
             <a:endParaRPr lang="ko-KR" altLang="en-US"/>
           </a:p>
@@ -1895,7 +1895,7 @@
           <a:p>
             <a:fld id="{63D3B4C0-D8BC-4725-BFBA-7D9A8552D455}" type="datetimeFigureOut">
               <a:rPr lang="ko-KR" altLang="en-US" smtClean="0"/>
-              <a:t>2017-10-13</a:t>
+              <a:t>2017-10-20</a:t>
             </a:fld>
             <a:endParaRPr lang="ko-KR" altLang="en-US"/>
           </a:p>
@@ -1990,7 +1990,7 @@
           <a:p>
             <a:fld id="{63D3B4C0-D8BC-4725-BFBA-7D9A8552D455}" type="datetimeFigureOut">
               <a:rPr lang="ko-KR" altLang="en-US" smtClean="0"/>
-              <a:t>2017-10-13</a:t>
+              <a:t>2017-10-20</a:t>
             </a:fld>
             <a:endParaRPr lang="ko-KR" altLang="en-US"/>
           </a:p>
@@ -2267,7 +2267,7 @@
           <a:p>
             <a:fld id="{63D3B4C0-D8BC-4725-BFBA-7D9A8552D455}" type="datetimeFigureOut">
               <a:rPr lang="ko-KR" altLang="en-US" smtClean="0"/>
-              <a:t>2017-10-13</a:t>
+              <a:t>2017-10-20</a:t>
             </a:fld>
             <a:endParaRPr lang="ko-KR" altLang="en-US"/>
           </a:p>
@@ -2520,7 +2520,7 @@
           <a:p>
             <a:fld id="{63D3B4C0-D8BC-4725-BFBA-7D9A8552D455}" type="datetimeFigureOut">
               <a:rPr lang="ko-KR" altLang="en-US" smtClean="0"/>
-              <a:t>2017-10-13</a:t>
+              <a:t>2017-10-20</a:t>
             </a:fld>
             <a:endParaRPr lang="ko-KR" altLang="en-US"/>
           </a:p>
@@ -2733,7 +2733,7 @@
           <a:p>
             <a:fld id="{63D3B4C0-D8BC-4725-BFBA-7D9A8552D455}" type="datetimeFigureOut">
               <a:rPr lang="ko-KR" altLang="en-US" smtClean="0"/>
-              <a:t>2017-10-13</a:t>
+              <a:t>2017-10-20</a:t>
             </a:fld>
             <a:endParaRPr lang="ko-KR" altLang="en-US"/>
           </a:p>
@@ -6501,7 +6501,6 @@
               <a:rPr lang="ko-KR" altLang="en-US" sz="1100" dirty="0"/>
               <a:t>인</a:t>
             </a:r>
-            <a:endParaRPr lang="ko-KR" altLang="en-US" sz="1100" dirty="0"/>
           </a:p>
         </p:txBody>
       </p:sp>
@@ -6560,11 +6559,7 @@
             </a:r>
             <a:r>
               <a:rPr lang="ko-KR" altLang="en-US" sz="1300" dirty="0" smtClean="0"/>
-              <a:t> </a:t>
-            </a:r>
-            <a:r>
-              <a:rPr lang="ko-KR" altLang="en-US" sz="1300" dirty="0" smtClean="0"/>
-              <a:t>화면</a:t>
+              <a:t> 화면</a:t>
             </a:r>
             <a:endParaRPr lang="ko-KR" altLang="en-US" sz="1300" dirty="0"/>
           </a:p>
@@ -9861,11 +9856,7 @@
             </a:r>
             <a:r>
               <a:rPr lang="ko-KR" altLang="en-US" sz="1000" dirty="0" smtClean="0"/>
-              <a:t> </a:t>
-            </a:r>
-            <a:r>
-              <a:rPr lang="ko-KR" altLang="en-US" sz="1000" dirty="0" smtClean="0"/>
-              <a:t>조</a:t>
+              <a:t> 조</a:t>
             </a:r>
             <a:r>
               <a:rPr lang="ko-KR" altLang="en-US" sz="1000" dirty="0"/>
